--- a/Powerpoint/IoT_Presentatie.pptx
+++ b/Powerpoint/IoT_Presentatie.pptx
@@ -5,17 +5,24 @@
     <p:sldMasterId id="2147483648" r:id="rId1"/>
   </p:sldMasterIdLst>
   <p:notesMasterIdLst>
-    <p:notesMasterId r:id="rId5"/>
+    <p:notesMasterId r:id="rId12"/>
   </p:notesMasterIdLst>
   <p:sldIdLst>
     <p:sldId id="256" r:id="rId2"/>
-    <p:sldId id="260" r:id="rId3"/>
-    <p:sldId id="261" r:id="rId4"/>
+    <p:sldId id="261" r:id="rId3"/>
+    <p:sldId id="262" r:id="rId4"/>
+    <p:sldId id="263" r:id="rId5"/>
+    <p:sldId id="264" r:id="rId6"/>
+    <p:sldId id="265" r:id="rId7"/>
+    <p:sldId id="267" r:id="rId8"/>
+    <p:sldId id="268" r:id="rId9"/>
+    <p:sldId id="269" r:id="rId10"/>
+    <p:sldId id="266" r:id="rId11"/>
   </p:sldIdLst>
   <p:sldSz cx="12192000" cy="6858000"/>
   <p:notesSz cx="6858000" cy="9144000"/>
   <p:custDataLst>
-    <p:tags r:id="rId6"/>
+    <p:tags r:id="rId13"/>
   </p:custDataLst>
   <p:defaultTextStyle>
     <a:defPPr>
@@ -252,7 +259,7 @@
               <a:pPr>
                 <a:defRPr/>
               </a:pPr>
-              <a:t>19-2-2021</a:t>
+              <a:t>30-12-2021</a:t>
             </a:fld>
             <a:endParaRPr lang="nl-NL"/>
           </a:p>
@@ -424,7 +431,7 @@
             <a:fld id="{EE766661-4A69-4D38-9B93-78F7EA23D71A}" type="slidenum">
               <a:rPr lang="nl-NL" altLang="en-US"/>
               <a:pPr/>
-              <a:t>‹#›</a:t>
+              <a:t>‹nr.›</a:t>
             </a:fld>
             <a:endParaRPr lang="nl-NL" altLang="en-US"/>
           </a:p>
@@ -983,7 +990,7 @@
           <p:cNvPr id="16" name="Groep 15">
             <a:extLst>
               <a:ext uri="{FF2B5EF4-FFF2-40B4-BE49-F238E27FC236}">
-                <a16:creationId xmlns="" xmlns:a16="http://schemas.microsoft.com/office/drawing/2014/main" id="{D8D9042B-A20D-47AB-9724-410D17C714F9}"/>
+                <a16:creationId xmlns:a16="http://schemas.microsoft.com/office/drawing/2014/main" id="{D8D9042B-A20D-47AB-9724-410D17C714F9}"/>
               </a:ext>
             </a:extLst>
           </p:cNvPr>
@@ -1003,7 +1010,7 @@
             <p:cNvPr id="17" name="Afbeelding 12" descr="logo FIIW.png">
               <a:extLst>
                 <a:ext uri="{FF2B5EF4-FFF2-40B4-BE49-F238E27FC236}">
-                  <a16:creationId xmlns="" xmlns:a16="http://schemas.microsoft.com/office/drawing/2014/main" id="{60D658FE-C747-40FC-944F-E3B08D97C789}"/>
+                  <a16:creationId xmlns:a16="http://schemas.microsoft.com/office/drawing/2014/main" id="{60D658FE-C747-40FC-944F-E3B08D97C789}"/>
                 </a:ext>
               </a:extLst>
             </p:cNvPr>
@@ -1061,7 +1068,7 @@
             <p:cNvPr id="18" name="Picture 2" descr="UHasselt-liggend.jpg">
               <a:extLst>
                 <a:ext uri="{FF2B5EF4-FFF2-40B4-BE49-F238E27FC236}">
-                  <a16:creationId xmlns="" xmlns:a16="http://schemas.microsoft.com/office/drawing/2014/main" id="{434AC00B-9C4D-41A1-8F5D-1AA221367096}"/>
+                  <a16:creationId xmlns:a16="http://schemas.microsoft.com/office/drawing/2014/main" id="{434AC00B-9C4D-41A1-8F5D-1AA221367096}"/>
                 </a:ext>
               </a:extLst>
             </p:cNvPr>
@@ -1108,7 +1115,7 @@
             <p:cNvPr id="19" name="Afbeelding 12" descr="logo FIIW.png">
               <a:extLst>
                 <a:ext uri="{FF2B5EF4-FFF2-40B4-BE49-F238E27FC236}">
-                  <a16:creationId xmlns="" xmlns:a16="http://schemas.microsoft.com/office/drawing/2014/main" id="{1553418C-C349-4B3C-92D6-49F9C5309478}"/>
+                  <a16:creationId xmlns:a16="http://schemas.microsoft.com/office/drawing/2014/main" id="{1553418C-C349-4B3C-92D6-49F9C5309478}"/>
                 </a:ext>
               </a:extLst>
             </p:cNvPr>
@@ -1167,7 +1174,7 @@
           <p:cNvPr id="22" name="Groep 21">
             <a:extLst>
               <a:ext uri="{FF2B5EF4-FFF2-40B4-BE49-F238E27FC236}">
-                <a16:creationId xmlns="" xmlns:a16="http://schemas.microsoft.com/office/drawing/2014/main" id="{50FE4DBF-162E-41E6-BED2-56C82C8FB3D6}"/>
+                <a16:creationId xmlns:a16="http://schemas.microsoft.com/office/drawing/2014/main" id="{50FE4DBF-162E-41E6-BED2-56C82C8FB3D6}"/>
               </a:ext>
             </a:extLst>
           </p:cNvPr>
@@ -1187,7 +1194,7 @@
             <p:cNvPr id="23" name="Afbeelding 11">
               <a:extLst>
                 <a:ext uri="{FF2B5EF4-FFF2-40B4-BE49-F238E27FC236}">
-                  <a16:creationId xmlns="" xmlns:a16="http://schemas.microsoft.com/office/drawing/2014/main" id="{DCA3C1DA-3409-4E27-A6FF-3328A3CFBDC6}"/>
+                  <a16:creationId xmlns:a16="http://schemas.microsoft.com/office/drawing/2014/main" id="{DCA3C1DA-3409-4E27-A6FF-3328A3CFBDC6}"/>
                 </a:ext>
               </a:extLst>
             </p:cNvPr>
@@ -1247,7 +1254,7 @@
             <p:cNvPr id="24" name="Afbeelding 11">
               <a:extLst>
                 <a:ext uri="{FF2B5EF4-FFF2-40B4-BE49-F238E27FC236}">
-                  <a16:creationId xmlns="" xmlns:a16="http://schemas.microsoft.com/office/drawing/2014/main" id="{CCF742AD-C473-4429-8788-9AEFB5F3D0BC}"/>
+                  <a16:creationId xmlns:a16="http://schemas.microsoft.com/office/drawing/2014/main" id="{CCF742AD-C473-4429-8788-9AEFB5F3D0BC}"/>
                 </a:ext>
               </a:extLst>
             </p:cNvPr>
@@ -1549,12 +1556,9 @@
             <a:pPr>
               <a:defRPr/>
             </a:pPr>
-            <a:fld id="{B6C490DF-ED21-430A-B9E2-DC04CCAB1E8C}" type="datetime1">
-              <a:rPr lang="nl-BE"/>
-              <a:pPr>
-                <a:defRPr/>
-              </a:pPr>
-              <a:t>19/02/2021</a:t>
+            <a:fld id="{39983FC9-C6D7-4B44-A3A1-ACC600127D20}" type="datetime1">
+              <a:rPr lang="nl-BE" smtClean="0"/>
+              <a:t>30/12/2021</a:t>
             </a:fld>
             <a:endParaRPr lang="nl-BE"/>
           </a:p>
@@ -1618,7 +1622,7 @@
             <a:fld id="{8C0098BE-5C68-4B6B-A0D2-CEFA86AAA048}" type="slidenum">
               <a:rPr lang="nl-BE" altLang="en-US"/>
               <a:pPr/>
-              <a:t>‹#›</a:t>
+              <a:t>‹nr.›</a:t>
             </a:fld>
             <a:endParaRPr lang="nl-BE" altLang="en-US"/>
           </a:p>
@@ -1629,7 +1633,7 @@
           <p:cNvPr id="12" name="Groep 11">
             <a:extLst>
               <a:ext uri="{FF2B5EF4-FFF2-40B4-BE49-F238E27FC236}">
-                <a16:creationId xmlns="" xmlns:a16="http://schemas.microsoft.com/office/drawing/2014/main" id="{B01CAAEC-6EDC-4005-B6F1-A55847B27B51}"/>
+                <a16:creationId xmlns:a16="http://schemas.microsoft.com/office/drawing/2014/main" id="{B01CAAEC-6EDC-4005-B6F1-A55847B27B51}"/>
               </a:ext>
             </a:extLst>
           </p:cNvPr>
@@ -1649,7 +1653,7 @@
             <p:cNvPr id="13" name="Afbeelding 11">
               <a:extLst>
                 <a:ext uri="{FF2B5EF4-FFF2-40B4-BE49-F238E27FC236}">
-                  <a16:creationId xmlns="" xmlns:a16="http://schemas.microsoft.com/office/drawing/2014/main" id="{3BBB8E92-F333-42A2-B166-53EA62FEF39B}"/>
+                  <a16:creationId xmlns:a16="http://schemas.microsoft.com/office/drawing/2014/main" id="{3BBB8E92-F333-42A2-B166-53EA62FEF39B}"/>
                 </a:ext>
               </a:extLst>
             </p:cNvPr>
@@ -1709,7 +1713,7 @@
             <p:cNvPr id="14" name="Afbeelding 11">
               <a:extLst>
                 <a:ext uri="{FF2B5EF4-FFF2-40B4-BE49-F238E27FC236}">
-                  <a16:creationId xmlns="" xmlns:a16="http://schemas.microsoft.com/office/drawing/2014/main" id="{7C17468A-4334-4C20-B651-EE4AE2FE260C}"/>
+                  <a16:creationId xmlns:a16="http://schemas.microsoft.com/office/drawing/2014/main" id="{7C17468A-4334-4C20-B651-EE4AE2FE260C}"/>
                 </a:ext>
               </a:extLst>
             </p:cNvPr>
@@ -1770,7 +1774,7 @@
           <p:cNvPr id="5" name="Afbeelding 4">
             <a:extLst>
               <a:ext uri="{FF2B5EF4-FFF2-40B4-BE49-F238E27FC236}">
-                <a16:creationId xmlns="" xmlns:a16="http://schemas.microsoft.com/office/drawing/2014/main" id="{26E7EDAE-FC07-4649-B2A9-6F7F21DE86CC}"/>
+                <a16:creationId xmlns:a16="http://schemas.microsoft.com/office/drawing/2014/main" id="{26E7EDAE-FC07-4649-B2A9-6F7F21DE86CC}"/>
               </a:ext>
             </a:extLst>
           </p:cNvPr>
@@ -2189,12 +2193,9 @@
             <a:pPr>
               <a:defRPr/>
             </a:pPr>
-            <a:fld id="{CE69140C-5B8E-446A-8182-B477B600E01D}" type="datetime1">
-              <a:rPr lang="nl-BE"/>
-              <a:pPr>
-                <a:defRPr/>
-              </a:pPr>
-              <a:t>19/02/2021</a:t>
+            <a:fld id="{735A7EDB-7D89-4CDB-BB58-5AF9746FEEF1}" type="datetime1">
+              <a:rPr lang="nl-BE" smtClean="0"/>
+              <a:t>30/12/2021</a:t>
             </a:fld>
             <a:endParaRPr lang="nl-BE"/>
           </a:p>
@@ -2258,7 +2259,7 @@
             <a:fld id="{FB26DB05-C0A7-4CEE-B91C-601C9140E922}" type="slidenum">
               <a:rPr lang="nl-BE" altLang="en-US"/>
               <a:pPr/>
-              <a:t>‹#›</a:t>
+              <a:t>‹nr.›</a:t>
             </a:fld>
             <a:endParaRPr lang="nl-BE" altLang="en-US"/>
           </a:p>
@@ -2269,7 +2270,7 @@
           <p:cNvPr id="15" name="Groep 14">
             <a:extLst>
               <a:ext uri="{FF2B5EF4-FFF2-40B4-BE49-F238E27FC236}">
-                <a16:creationId xmlns="" xmlns:a16="http://schemas.microsoft.com/office/drawing/2014/main" id="{274DA4B2-B5CE-44F5-8011-F303D8FA473D}"/>
+                <a16:creationId xmlns:a16="http://schemas.microsoft.com/office/drawing/2014/main" id="{274DA4B2-B5CE-44F5-8011-F303D8FA473D}"/>
               </a:ext>
             </a:extLst>
           </p:cNvPr>
@@ -2289,7 +2290,7 @@
             <p:cNvPr id="16" name="Afbeelding 11">
               <a:extLst>
                 <a:ext uri="{FF2B5EF4-FFF2-40B4-BE49-F238E27FC236}">
-                  <a16:creationId xmlns="" xmlns:a16="http://schemas.microsoft.com/office/drawing/2014/main" id="{0878429E-D29A-4273-9B5A-DCF07F8EA918}"/>
+                  <a16:creationId xmlns:a16="http://schemas.microsoft.com/office/drawing/2014/main" id="{0878429E-D29A-4273-9B5A-DCF07F8EA918}"/>
                 </a:ext>
               </a:extLst>
             </p:cNvPr>
@@ -2349,7 +2350,7 @@
             <p:cNvPr id="17" name="Afbeelding 11">
               <a:extLst>
                 <a:ext uri="{FF2B5EF4-FFF2-40B4-BE49-F238E27FC236}">
-                  <a16:creationId xmlns="" xmlns:a16="http://schemas.microsoft.com/office/drawing/2014/main" id="{2EECC804-6AAB-4365-852E-0149B69C7E08}"/>
+                  <a16:creationId xmlns:a16="http://schemas.microsoft.com/office/drawing/2014/main" id="{2EECC804-6AAB-4365-852E-0149B69C7E08}"/>
                 </a:ext>
               </a:extLst>
             </p:cNvPr>
@@ -2410,7 +2411,7 @@
           <p:cNvPr id="18" name="Afbeelding 17">
             <a:extLst>
               <a:ext uri="{FF2B5EF4-FFF2-40B4-BE49-F238E27FC236}">
-                <a16:creationId xmlns="" xmlns:a16="http://schemas.microsoft.com/office/drawing/2014/main" id="{14211352-5C93-4363-89C9-818A27E0EFA4}"/>
+                <a16:creationId xmlns:a16="http://schemas.microsoft.com/office/drawing/2014/main" id="{14211352-5C93-4363-89C9-818A27E0EFA4}"/>
               </a:ext>
             </a:extLst>
           </p:cNvPr>
@@ -2666,12 +2667,9 @@
             <a:pPr>
               <a:defRPr/>
             </a:pPr>
-            <a:fld id="{B404C629-8429-4A47-8547-87B1AFF6545A}" type="datetime1">
-              <a:rPr lang="nl-BE"/>
-              <a:pPr>
-                <a:defRPr/>
-              </a:pPr>
-              <a:t>19/02/2021</a:t>
+            <a:fld id="{670198FB-0EEA-4409-870F-6D588A64F9F1}" type="datetime1">
+              <a:rPr lang="nl-BE" smtClean="0"/>
+              <a:t>30/12/2021</a:t>
             </a:fld>
             <a:endParaRPr lang="nl-BE"/>
           </a:p>
@@ -2765,7 +2763,7 @@
             <a:fld id="{2C8C6316-E44E-4DB2-87E9-228972E3BC6C}" type="slidenum">
               <a:rPr lang="nl-BE" altLang="en-US"/>
               <a:pPr/>
-              <a:t>‹#›</a:t>
+              <a:t>‹nr.›</a:t>
             </a:fld>
             <a:endParaRPr lang="nl-BE" altLang="en-US"/>
           </a:p>
@@ -2779,6 +2777,7 @@
     <p:sldLayoutId id="2147483692" r:id="rId2"/>
     <p:sldLayoutId id="2147483693" r:id="rId3"/>
   </p:sldLayoutIdLst>
+  <p:hf hdr="0" ftr="0" dt="0"/>
   <p:txStyles>
     <p:titleStyle>
       <a:lvl1pPr algn="ctr" rtl="0" eaLnBrk="1" fontAlgn="base" hangingPunct="1">
@@ -3198,7 +3197,7 @@
         </p:nvSpPr>
         <p:spPr>
           <a:xfrm>
-            <a:off x="719404" y="2780928"/>
+            <a:off x="1439482" y="2564904"/>
             <a:ext cx="9313035" cy="630982"/>
           </a:xfrm>
         </p:spPr>
@@ -3208,246 +3207,11 @@
           </a:bodyPr>
           <a:lstStyle/>
           <a:p>
-            <a:r>
-              <a:rPr lang="en-GB" dirty="0" err="1"/>
-              <a:t>Voeg</a:t>
-            </a:r>
+            <a:pPr algn="ctr"/>
             <a:r>
               <a:rPr lang="en-GB" dirty="0"/>
-              <a:t> </a:t>
-            </a:r>
-            <a:r>
-              <a:rPr lang="en-GB" dirty="0" err="1"/>
-              <a:t>hier</a:t>
-            </a:r>
-            <a:r>
-              <a:rPr lang="en-GB" dirty="0"/>
-              <a:t> de </a:t>
-            </a:r>
-            <a:r>
-              <a:rPr lang="en-GB" dirty="0" err="1"/>
-              <a:t>titel</a:t>
-            </a:r>
-            <a:r>
-              <a:rPr lang="en-GB" dirty="0"/>
-              <a:t> in van je MP</a:t>
-            </a:r>
-          </a:p>
-        </p:txBody>
-      </p:sp>
-      <p:sp>
-        <p:nvSpPr>
-          <p:cNvPr id="3" name="Ondertitel 2"/>
-          <p:cNvSpPr>
-            <a:spLocks noGrp="1"/>
-          </p:cNvSpPr>
-          <p:nvPr>
-            <p:ph type="subTitle" idx="1"/>
-          </p:nvPr>
-        </p:nvSpPr>
-        <p:spPr>
-          <a:xfrm>
-            <a:off x="2063552" y="3573016"/>
-            <a:ext cx="8424936" cy="2448272"/>
-          </a:xfrm>
-        </p:spPr>
-        <p:txBody>
-          <a:bodyPr>
-            <a:normAutofit fontScale="47500" lnSpcReduction="20000"/>
-          </a:bodyPr>
-          <a:lstStyle/>
-          <a:p>
-            <a:r>
-              <a:rPr lang="en-GB" sz="4200" dirty="0" err="1"/>
-              <a:t>Juryverdediging</a:t>
-            </a:r>
-            <a:r>
-              <a:rPr lang="en-GB" sz="4200" dirty="0"/>
-              <a:t> </a:t>
-            </a:r>
-            <a:r>
-              <a:rPr lang="en-GB" sz="4200" dirty="0" err="1"/>
-              <a:t>februari</a:t>
-            </a:r>
-            <a:r>
-              <a:rPr lang="en-GB" sz="4200" dirty="0"/>
-              <a:t> </a:t>
-            </a:r>
-            <a:r>
-              <a:rPr lang="en-GB" sz="4200" dirty="0" smtClean="0"/>
-              <a:t>2020/</a:t>
-            </a:r>
-            <a:r>
-              <a:rPr lang="en-GB" sz="4200" dirty="0" err="1" smtClean="0"/>
-              <a:t>juni</a:t>
-            </a:r>
-            <a:r>
-              <a:rPr lang="en-GB" sz="4200" dirty="0" smtClean="0"/>
-              <a:t> 2020/</a:t>
-            </a:r>
-            <a:r>
-              <a:rPr lang="en-GB" sz="4200" dirty="0" err="1" smtClean="0"/>
-              <a:t>september</a:t>
-            </a:r>
-            <a:r>
-              <a:rPr lang="en-GB" sz="4200" dirty="0" smtClean="0"/>
-              <a:t> 2020*</a:t>
-            </a:r>
-            <a:endParaRPr lang="en-GB" sz="4200" dirty="0"/>
-          </a:p>
-          <a:p>
-            <a:r>
-              <a:rPr lang="en-GB" sz="3600" dirty="0"/>
-              <a:t>*</a:t>
-            </a:r>
-            <a:r>
-              <a:rPr lang="en-GB" sz="2200" dirty="0" err="1"/>
-              <a:t>Schrap</a:t>
-            </a:r>
-            <a:r>
-              <a:rPr lang="en-GB" sz="2200" dirty="0"/>
-              <a:t> wat </a:t>
-            </a:r>
-            <a:r>
-              <a:rPr lang="en-GB" sz="2200" dirty="0" err="1"/>
-              <a:t>niet</a:t>
-            </a:r>
-            <a:r>
-              <a:rPr lang="en-GB" sz="2200" dirty="0"/>
-              <a:t> </a:t>
-            </a:r>
-            <a:r>
-              <a:rPr lang="en-GB" sz="2200" dirty="0" smtClean="0"/>
-              <a:t>past </a:t>
-            </a:r>
-            <a:r>
-              <a:rPr lang="en-GB" sz="2200" dirty="0" err="1" smtClean="0"/>
-              <a:t>en</a:t>
-            </a:r>
-            <a:r>
-              <a:rPr lang="en-GB" sz="2200" dirty="0" smtClean="0"/>
-              <a:t> pas het </a:t>
-            </a:r>
-            <a:r>
-              <a:rPr lang="en-GB" sz="2200" dirty="0" err="1" smtClean="0"/>
-              <a:t>jaartal</a:t>
-            </a:r>
-            <a:r>
-              <a:rPr lang="en-GB" sz="2200" dirty="0" smtClean="0"/>
-              <a:t> </a:t>
-            </a:r>
-            <a:r>
-              <a:rPr lang="en-GB" sz="2200" smtClean="0"/>
-              <a:t>aan</a:t>
-            </a:r>
-            <a:endParaRPr lang="en-GB" sz="2200" dirty="0"/>
-          </a:p>
-          <a:p>
-            <a:endParaRPr lang="en-GB" sz="2200" dirty="0"/>
-          </a:p>
-          <a:p>
-            <a:pPr algn="r"/>
-            <a:r>
-              <a:rPr lang="en-GB" sz="3300" dirty="0"/>
-              <a:t>		</a:t>
-            </a:r>
-          </a:p>
-          <a:p>
-            <a:pPr algn="r"/>
-            <a:r>
-              <a:rPr lang="en-GB" sz="3800" dirty="0" err="1"/>
-              <a:t>Voornaam</a:t>
-            </a:r>
-            <a:r>
-              <a:rPr lang="en-GB" sz="3800" dirty="0"/>
-              <a:t> </a:t>
-            </a:r>
-            <a:r>
-              <a:rPr lang="en-GB" sz="3800" dirty="0" err="1"/>
-              <a:t>en</a:t>
-            </a:r>
-            <a:r>
-              <a:rPr lang="en-GB" sz="3800" dirty="0"/>
-              <a:t> </a:t>
-            </a:r>
-            <a:r>
-              <a:rPr lang="en-GB" sz="3800" dirty="0" err="1"/>
-              <a:t>naam</a:t>
-            </a:r>
-            <a:r>
-              <a:rPr lang="en-GB" sz="3800" dirty="0"/>
-              <a:t> van de student(</a:t>
-            </a:r>
-            <a:r>
-              <a:rPr lang="en-GB" sz="3800" dirty="0" err="1"/>
-              <a:t>en</a:t>
-            </a:r>
-            <a:r>
-              <a:rPr lang="en-GB" sz="3800" dirty="0"/>
-              <a:t>)</a:t>
-            </a:r>
-          </a:p>
-          <a:p>
-            <a:endParaRPr lang="en-GB" sz="3800" dirty="0"/>
-          </a:p>
-          <a:p>
-            <a:pPr algn="r"/>
-            <a:r>
-              <a:rPr lang="en-GB" sz="3800" dirty="0" err="1"/>
-              <a:t>Promotoren</a:t>
-            </a:r>
-            <a:r>
-              <a:rPr lang="en-GB" sz="3800" dirty="0"/>
-              <a:t>:…</a:t>
-            </a:r>
-          </a:p>
-          <a:p>
-            <a:endParaRPr lang="en-GB" sz="3800" dirty="0"/>
-          </a:p>
-          <a:p>
-            <a:pPr algn="r"/>
-            <a:r>
-              <a:rPr lang="en-GB" sz="3800" dirty="0"/>
-              <a:t>In </a:t>
-            </a:r>
-            <a:r>
-              <a:rPr lang="en-GB" sz="3800" dirty="0" err="1"/>
-              <a:t>samenwerking</a:t>
-            </a:r>
-            <a:r>
-              <a:rPr lang="en-GB" sz="3800" dirty="0"/>
-              <a:t> met …(</a:t>
-            </a:r>
-            <a:r>
-              <a:rPr lang="en-GB" sz="3800" dirty="0" err="1"/>
-              <a:t>naam</a:t>
-            </a:r>
-            <a:r>
-              <a:rPr lang="en-GB" sz="3800" dirty="0"/>
-              <a:t> </a:t>
-            </a:r>
-            <a:r>
-              <a:rPr lang="en-GB" sz="3800" dirty="0" err="1"/>
-              <a:t>bedrijf</a:t>
-            </a:r>
-            <a:r>
-              <a:rPr lang="en-GB" sz="3800" dirty="0"/>
-              <a:t> of </a:t>
-            </a:r>
-            <a:r>
-              <a:rPr lang="en-GB" sz="3800" dirty="0" err="1"/>
-              <a:t>onderzoeksinstelling</a:t>
-            </a:r>
-            <a:r>
-              <a:rPr lang="en-GB" sz="3800" dirty="0"/>
-              <a:t>) </a:t>
-            </a:r>
-          </a:p>
-          <a:p>
-            <a:endParaRPr lang="en-GB" sz="2200" dirty="0"/>
-          </a:p>
-          <a:p>
-            <a:endParaRPr lang="en-GB" dirty="0"/>
+              <a:t>Internet of Things [4482]</a:t>
+            </a:r>
           </a:p>
         </p:txBody>
       </p:sp>
@@ -3486,7 +3250,7 @@
         <p:spPr>
           <a:xfrm>
             <a:off x="191344" y="130022"/>
-            <a:ext cx="9865096" cy="2585323"/>
+            <a:ext cx="9865096" cy="369332"/>
           </a:xfrm>
           <a:prstGeom prst="rect">
             <a:avLst/>
@@ -3501,61 +3265,91 @@
           <a:p>
             <a:r>
               <a:rPr lang="nl-BE" dirty="0"/>
-              <a:t>master IW biochemie</a:t>
-            </a:r>
-          </a:p>
-          <a:p>
+              <a:t>Master IW elektronica-ICT</a:t>
+            </a:r>
+          </a:p>
+        </p:txBody>
+      </p:sp>
+      <p:sp>
+        <p:nvSpPr>
+          <p:cNvPr id="7" name="Ondertitel 6">
+            <a:extLst>
+              <a:ext uri="{FF2B5EF4-FFF2-40B4-BE49-F238E27FC236}">
+                <a16:creationId xmlns:a16="http://schemas.microsoft.com/office/drawing/2014/main" id="{3E91BE43-BA23-427D-B8B4-339EC04477D9}"/>
+              </a:ext>
+            </a:extLst>
+          </p:cNvPr>
+          <p:cNvSpPr>
+            <a:spLocks noGrp="1"/>
+          </p:cNvSpPr>
+          <p:nvPr>
+            <p:ph type="subTitle" idx="1"/>
+          </p:nvPr>
+        </p:nvSpPr>
+        <p:spPr>
+          <a:xfrm>
+            <a:off x="4367808" y="3429000"/>
+            <a:ext cx="3000331" cy="630982"/>
+          </a:xfrm>
+        </p:spPr>
+        <p:txBody>
+          <a:bodyPr>
+            <a:normAutofit/>
+          </a:bodyPr>
+          <a:lstStyle/>
+          <a:p>
+            <a:pPr algn="ctr"/>
+            <a:r>
+              <a:rPr lang="nl-BE" sz="4000" baseline="30000" dirty="0"/>
+              <a:t>Weatherstation</a:t>
+            </a:r>
+          </a:p>
+        </p:txBody>
+      </p:sp>
+      <p:sp>
+        <p:nvSpPr>
+          <p:cNvPr id="8" name="Tekstvak 7">
+            <a:extLst>
+              <a:ext uri="{FF2B5EF4-FFF2-40B4-BE49-F238E27FC236}">
+                <a16:creationId xmlns:a16="http://schemas.microsoft.com/office/drawing/2014/main" id="{7CB4CCB3-5B99-42D2-BE7F-9D4CE3DE0B2F}"/>
+              </a:ext>
+            </a:extLst>
+          </p:cNvPr>
+          <p:cNvSpPr txBox="1"/>
+          <p:nvPr/>
+        </p:nvSpPr>
+        <p:spPr>
+          <a:xfrm>
+            <a:off x="4187787" y="4059982"/>
+            <a:ext cx="3816424" cy="369332"/>
+          </a:xfrm>
+          <a:prstGeom prst="rect">
+            <a:avLst/>
+          </a:prstGeom>
+          <a:noFill/>
+        </p:spPr>
+        <p:txBody>
+          <a:bodyPr wrap="square" rtlCol="0">
+            <a:spAutoFit/>
+          </a:bodyPr>
+          <a:lstStyle/>
+          <a:p>
+            <a:r>
+              <a:rPr lang="nl-BE" dirty="0" err="1"/>
+              <a:t>Yari</a:t>
+            </a:r>
             <a:r>
               <a:rPr lang="nl-BE" dirty="0"/>
-              <a:t>master IW bouwkunde</a:t>
-            </a:r>
-          </a:p>
-          <a:p>
+              <a:t> </a:t>
+            </a:r>
+            <a:r>
+              <a:rPr lang="nl-BE" dirty="0" err="1"/>
+              <a:t>Nowicki</a:t>
+            </a:r>
             <a:r>
               <a:rPr lang="nl-BE" dirty="0"/>
-              <a:t>master IW chemie</a:t>
-            </a:r>
-          </a:p>
-          <a:p>
-            <a:r>
-              <a:rPr lang="nl-BE" dirty="0"/>
-              <a:t>master IW elektromechanica</a:t>
-            </a:r>
-          </a:p>
-          <a:p>
-            <a:r>
-              <a:rPr lang="nl-BE" dirty="0"/>
-              <a:t>master IW elektronica-ICT</a:t>
-            </a:r>
-          </a:p>
-          <a:p>
-            <a:r>
-              <a:rPr lang="nl-BE" dirty="0"/>
-              <a:t>master IW energie</a:t>
-            </a:r>
-          </a:p>
-          <a:p>
-            <a:r>
-              <a:rPr lang="nl-BE" dirty="0"/>
-              <a:t>master IW nucleaire technologie</a:t>
-            </a:r>
-          </a:p>
-          <a:p>
-            <a:r>
-              <a:rPr lang="nl-BE" dirty="0"/>
-              <a:t>master IW verpakkingstechnologie*</a:t>
-            </a:r>
-          </a:p>
-          <a:p>
-            <a:r>
-              <a:rPr lang="nl-BE" dirty="0"/>
-              <a:t>*</a:t>
-            </a:r>
-            <a:r>
-              <a:rPr lang="nl-BE" sz="1200" dirty="0"/>
-              <a:t>Schrap wat niet past</a:t>
-            </a:r>
-            <a:endParaRPr lang="nl-BE" dirty="0"/>
+              <a:t> &amp; Siemen Vandervoort</a:t>
+            </a:r>
           </a:p>
         </p:txBody>
       </p:sp>
@@ -3564,13 +3358,108 @@
   <p:clrMapOvr>
     <a:masterClrMapping/>
   </p:clrMapOvr>
-  <p:timing>
-    <p:tnLst>
-      <p:par>
-        <p:cTn id="1" dur="indefinite" restart="never" nodeType="tmRoot"/>
-      </p:par>
-    </p:tnLst>
-  </p:timing>
+</p:sld>
+</file>
+
+<file path=ppt/slides/slide10.xml><?xml version="1.0" encoding="utf-8"?>
+<p:sld xmlns:a="http://schemas.openxmlformats.org/drawingml/2006/main" xmlns:r="http://schemas.openxmlformats.org/officeDocument/2006/relationships" xmlns:p="http://schemas.openxmlformats.org/presentationml/2006/main">
+  <p:cSld>
+    <p:spTree>
+      <p:nvGrpSpPr>
+        <p:cNvPr id="1" name=""/>
+        <p:cNvGrpSpPr/>
+        <p:nvPr/>
+      </p:nvGrpSpPr>
+      <p:grpSpPr>
+        <a:xfrm>
+          <a:off x="0" y="0"/>
+          <a:ext cx="0" cy="0"/>
+          <a:chOff x="0" y="0"/>
+          <a:chExt cx="0" cy="0"/>
+        </a:xfrm>
+      </p:grpSpPr>
+      <p:sp>
+        <p:nvSpPr>
+          <p:cNvPr id="2" name="Tijdelijke aanduiding voor inhoud 1"/>
+          <p:cNvSpPr>
+            <a:spLocks noGrp="1"/>
+          </p:cNvSpPr>
+          <p:nvPr>
+            <p:ph idx="1"/>
+          </p:nvPr>
+        </p:nvSpPr>
+        <p:spPr/>
+        <p:txBody>
+          <a:bodyPr/>
+          <a:lstStyle/>
+          <a:p>
+            <a:endParaRPr lang="en-GB" dirty="0"/>
+          </a:p>
+        </p:txBody>
+      </p:sp>
+      <p:sp>
+        <p:nvSpPr>
+          <p:cNvPr id="3" name="Titel 2"/>
+          <p:cNvSpPr>
+            <a:spLocks noGrp="1"/>
+          </p:cNvSpPr>
+          <p:nvPr>
+            <p:ph type="title" idx="4294967295"/>
+          </p:nvPr>
+        </p:nvSpPr>
+        <p:spPr/>
+        <p:txBody>
+          <a:bodyPr/>
+          <a:lstStyle/>
+          <a:p>
+            <a:pPr algn="l"/>
+            <a:r>
+              <a:rPr lang="nl-BE" noProof="1"/>
+              <a:t>Software architectuur</a:t>
+            </a:r>
+          </a:p>
+        </p:txBody>
+      </p:sp>
+      <p:sp>
+        <p:nvSpPr>
+          <p:cNvPr id="4" name="Tijdelijke aanduiding voor dianummer 3">
+            <a:extLst>
+              <a:ext uri="{FF2B5EF4-FFF2-40B4-BE49-F238E27FC236}">
+                <a16:creationId xmlns:a16="http://schemas.microsoft.com/office/drawing/2014/main" id="{B2F7A474-F427-4FDD-8992-1235F337C6C5}"/>
+              </a:ext>
+            </a:extLst>
+          </p:cNvPr>
+          <p:cNvSpPr>
+            <a:spLocks noGrp="1"/>
+          </p:cNvSpPr>
+          <p:nvPr>
+            <p:ph type="sldNum" sz="quarter" idx="12"/>
+          </p:nvPr>
+        </p:nvSpPr>
+        <p:spPr/>
+        <p:txBody>
+          <a:bodyPr/>
+          <a:lstStyle/>
+          <a:p>
+            <a:fld id="{8C0098BE-5C68-4B6B-A0D2-CEFA86AAA048}" type="slidenum">
+              <a:rPr lang="nl-BE" altLang="en-US" smtClean="0"/>
+              <a:pPr/>
+              <a:t>10</a:t>
+            </a:fld>
+            <a:endParaRPr lang="nl-BE" altLang="en-US"/>
+          </a:p>
+        </p:txBody>
+      </p:sp>
+    </p:spTree>
+    <p:extLst>
+      <p:ext uri="{BB962C8B-B14F-4D97-AF65-F5344CB8AC3E}">
+        <p14:creationId xmlns:p14="http://schemas.microsoft.com/office/powerpoint/2010/main" val="1085947675"/>
+      </p:ext>
+    </p:extLst>
+  </p:cSld>
+  <p:clrMapOvr>
+    <a:masterClrMapping/>
+  </p:clrMapOvr>
 </p:sld>
 </file>
 
@@ -3593,7 +3482,7 @@
       </p:grpSpPr>
       <p:sp>
         <p:nvSpPr>
-          <p:cNvPr id="6146" name="Tijdelijke aanduiding voor inhoud 1"/>
+          <p:cNvPr id="2" name="Tijdelijke aanduiding voor inhoud 1"/>
           <p:cNvSpPr>
             <a:spLocks noGrp="1"/>
           </p:cNvSpPr>
@@ -3601,25 +3490,55 @@
             <p:ph idx="1"/>
           </p:nvPr>
         </p:nvSpPr>
-        <p:spPr>
-          <a:xfrm>
-            <a:off x="1981200" y="908053"/>
-            <a:ext cx="8229600" cy="5218113"/>
-          </a:xfrm>
-        </p:spPr>
+        <p:spPr/>
         <p:txBody>
           <a:bodyPr/>
           <a:lstStyle/>
           <a:p>
-            <a:endParaRPr lang="en-US" altLang="en-US">
-              <a:ea typeface="ＭＳ Ｐゴシック" panose="020B0600070205080204" pitchFamily="34" charset="-128"/>
-            </a:endParaRPr>
-          </a:p>
-        </p:txBody>
-      </p:sp>
-      <p:sp>
-        <p:nvSpPr>
-          <p:cNvPr id="6147" name="Titel 2"/>
+            <a:r>
+              <a:rPr lang="en-GB" dirty="0"/>
+              <a:t>Concept </a:t>
+            </a:r>
+            <a:r>
+              <a:rPr lang="nl-BE" dirty="0"/>
+              <a:t>en Sensoren</a:t>
+            </a:r>
+          </a:p>
+          <a:p>
+            <a:r>
+              <a:rPr lang="nl-BE" dirty="0"/>
+              <a:t>Power consumptie</a:t>
+            </a:r>
+          </a:p>
+          <a:p>
+            <a:r>
+              <a:rPr lang="nl-BE" dirty="0"/>
+              <a:t>Security</a:t>
+            </a:r>
+          </a:p>
+          <a:p>
+            <a:r>
+              <a:rPr lang="nl-BE" dirty="0"/>
+              <a:t>Protocol</a:t>
+            </a:r>
+          </a:p>
+          <a:p>
+            <a:r>
+              <a:rPr lang="nl-BE" dirty="0"/>
+              <a:t>Implementatie</a:t>
+            </a:r>
+          </a:p>
+          <a:p>
+            <a:r>
+              <a:rPr lang="nl-BE" dirty="0"/>
+              <a:t>Software architectuur</a:t>
+            </a:r>
+          </a:p>
+        </p:txBody>
+      </p:sp>
+      <p:sp>
+        <p:nvSpPr>
+          <p:cNvPr id="3" name="Titel 2"/>
           <p:cNvSpPr>
             <a:spLocks noGrp="1"/>
           </p:cNvSpPr>
@@ -3632,13 +3551,50 @@
           <a:bodyPr/>
           <a:lstStyle/>
           <a:p>
-            <a:endParaRPr lang="en-US" altLang="en-US">
-              <a:ea typeface="ＭＳ Ｐゴシック" panose="020B0600070205080204" pitchFamily="34" charset="-128"/>
-            </a:endParaRPr>
+            <a:pPr algn="l"/>
+            <a:r>
+              <a:rPr lang="nl-BE" dirty="0"/>
+              <a:t>Inhoud</a:t>
+            </a:r>
+          </a:p>
+        </p:txBody>
+      </p:sp>
+      <p:sp>
+        <p:nvSpPr>
+          <p:cNvPr id="4" name="Tijdelijke aanduiding voor dianummer 3">
+            <a:extLst>
+              <a:ext uri="{FF2B5EF4-FFF2-40B4-BE49-F238E27FC236}">
+                <a16:creationId xmlns:a16="http://schemas.microsoft.com/office/drawing/2014/main" id="{F5987122-F56A-49E9-8D28-D5BC8DBE7287}"/>
+              </a:ext>
+            </a:extLst>
+          </p:cNvPr>
+          <p:cNvSpPr>
+            <a:spLocks noGrp="1"/>
+          </p:cNvSpPr>
+          <p:nvPr>
+            <p:ph type="sldNum" sz="quarter" idx="12"/>
+          </p:nvPr>
+        </p:nvSpPr>
+        <p:spPr/>
+        <p:txBody>
+          <a:bodyPr/>
+          <a:lstStyle/>
+          <a:p>
+            <a:fld id="{8C0098BE-5C68-4B6B-A0D2-CEFA86AAA048}" type="slidenum">
+              <a:rPr lang="nl-BE" altLang="en-US" smtClean="0"/>
+              <a:pPr/>
+              <a:t>2</a:t>
+            </a:fld>
+            <a:endParaRPr lang="nl-BE" altLang="en-US"/>
           </a:p>
         </p:txBody>
       </p:sp>
     </p:spTree>
+    <p:extLst>
+      <p:ext uri="{BB962C8B-B14F-4D97-AF65-F5344CB8AC3E}">
+        <p14:creationId xmlns:p14="http://schemas.microsoft.com/office/powerpoint/2010/main" val="1244339137"/>
+      </p:ext>
+    </p:extLst>
   </p:cSld>
   <p:clrMapOvr>
     <a:masterClrMapping/>
@@ -3678,7 +3634,65 @@
           <a:bodyPr/>
           <a:lstStyle/>
           <a:p>
-            <a:endParaRPr lang="en-GB"/>
+            <a:r>
+              <a:rPr lang="nl-BE" noProof="1"/>
+              <a:t>Weerstation voor planten</a:t>
+            </a:r>
+          </a:p>
+          <a:p>
+            <a:pPr lvl="1"/>
+            <a:r>
+              <a:rPr lang="nl-BE" noProof="1"/>
+              <a:t>Omgevingstemperatuur</a:t>
+            </a:r>
+          </a:p>
+          <a:p>
+            <a:pPr lvl="1"/>
+            <a:r>
+              <a:rPr lang="nl-BE" noProof="1"/>
+              <a:t>Bodemvochtigheid op verschillende dieptes</a:t>
+            </a:r>
+          </a:p>
+          <a:p>
+            <a:pPr lvl="1"/>
+            <a:r>
+              <a:rPr lang="nl-BE" noProof="1"/>
+              <a:t>PSoC6 + Modustoolbox</a:t>
+            </a:r>
+          </a:p>
+          <a:p>
+            <a:pPr lvl="1"/>
+            <a:r>
+              <a:rPr lang="nl-BE" noProof="1"/>
+              <a:t>Python Flask + Heroku</a:t>
+            </a:r>
+          </a:p>
+          <a:p>
+            <a:r>
+              <a:rPr lang="nl-BE" noProof="1"/>
+              <a:t>Sensoren en actuatoren</a:t>
+            </a:r>
+          </a:p>
+          <a:p>
+            <a:pPr lvl="1"/>
+            <a:r>
+              <a:rPr lang="nl-BE" noProof="1"/>
+              <a:t>LM35</a:t>
+            </a:r>
+          </a:p>
+          <a:p>
+            <a:pPr lvl="1"/>
+            <a:r>
+              <a:rPr lang="nl-BE" noProof="1"/>
+              <a:t>&lt;bodemvochtigheidssensor&gt;</a:t>
+            </a:r>
+          </a:p>
+          <a:p>
+            <a:pPr lvl="1"/>
+            <a:r>
+              <a:rPr lang="nl-BE" noProof="1"/>
+              <a:t>&lt;servo&gt;</a:t>
+            </a:r>
           </a:p>
         </p:txBody>
       </p:sp>
@@ -3697,14 +3711,1021 @@
           <a:bodyPr/>
           <a:lstStyle/>
           <a:p>
-            <a:endParaRPr lang="en-GB"/>
+            <a:pPr algn="l"/>
+            <a:r>
+              <a:rPr lang="en-GB" dirty="0"/>
+              <a:t>Concept </a:t>
+            </a:r>
+            <a:r>
+              <a:rPr lang="nl-BE" noProof="1"/>
+              <a:t>en</a:t>
+            </a:r>
+            <a:r>
+              <a:rPr lang="en-GB" dirty="0"/>
+              <a:t> </a:t>
+            </a:r>
+            <a:r>
+              <a:rPr lang="nl-BE" noProof="1"/>
+              <a:t>sensoren</a:t>
+            </a:r>
+          </a:p>
+        </p:txBody>
+      </p:sp>
+      <p:sp>
+        <p:nvSpPr>
+          <p:cNvPr id="6" name="Tijdelijke aanduiding voor dianummer 5">
+            <a:extLst>
+              <a:ext uri="{FF2B5EF4-FFF2-40B4-BE49-F238E27FC236}">
+                <a16:creationId xmlns:a16="http://schemas.microsoft.com/office/drawing/2014/main" id="{738BBE7B-A095-4403-9B9B-6D19201FAD0C}"/>
+              </a:ext>
+            </a:extLst>
+          </p:cNvPr>
+          <p:cNvSpPr>
+            <a:spLocks noGrp="1"/>
+          </p:cNvSpPr>
+          <p:nvPr>
+            <p:ph type="sldNum" sz="quarter" idx="12"/>
+          </p:nvPr>
+        </p:nvSpPr>
+        <p:spPr/>
+        <p:txBody>
+          <a:bodyPr/>
+          <a:lstStyle/>
+          <a:p>
+            <a:fld id="{8C0098BE-5C68-4B6B-A0D2-CEFA86AAA048}" type="slidenum">
+              <a:rPr lang="nl-BE" altLang="en-US" smtClean="0"/>
+              <a:pPr/>
+              <a:t>3</a:t>
+            </a:fld>
+            <a:endParaRPr lang="nl-BE" altLang="en-US"/>
           </a:p>
         </p:txBody>
       </p:sp>
     </p:spTree>
     <p:extLst>
       <p:ext uri="{BB962C8B-B14F-4D97-AF65-F5344CB8AC3E}">
-        <p14:creationId xmlns:p14="http://schemas.microsoft.com/office/powerpoint/2010/main" val="1244339137"/>
+        <p14:creationId xmlns:p14="http://schemas.microsoft.com/office/powerpoint/2010/main" val="1352605399"/>
+      </p:ext>
+    </p:extLst>
+  </p:cSld>
+  <p:clrMapOvr>
+    <a:masterClrMapping/>
+  </p:clrMapOvr>
+</p:sld>
+</file>
+
+<file path=ppt/slides/slide4.xml><?xml version="1.0" encoding="utf-8"?>
+<p:sld xmlns:a="http://schemas.openxmlformats.org/drawingml/2006/main" xmlns:r="http://schemas.openxmlformats.org/officeDocument/2006/relationships" xmlns:p="http://schemas.openxmlformats.org/presentationml/2006/main">
+  <p:cSld>
+    <p:spTree>
+      <p:nvGrpSpPr>
+        <p:cNvPr id="1" name=""/>
+        <p:cNvGrpSpPr/>
+        <p:nvPr/>
+      </p:nvGrpSpPr>
+      <p:grpSpPr>
+        <a:xfrm>
+          <a:off x="0" y="0"/>
+          <a:ext cx="0" cy="0"/>
+          <a:chOff x="0" y="0"/>
+          <a:chExt cx="0" cy="0"/>
+        </a:xfrm>
+      </p:grpSpPr>
+      <p:sp>
+        <p:nvSpPr>
+          <p:cNvPr id="2" name="Tijdelijke aanduiding voor inhoud 1"/>
+          <p:cNvSpPr>
+            <a:spLocks noGrp="1"/>
+          </p:cNvSpPr>
+          <p:nvPr>
+            <p:ph idx="1"/>
+          </p:nvPr>
+        </p:nvSpPr>
+        <p:spPr/>
+        <p:txBody>
+          <a:bodyPr/>
+          <a:lstStyle/>
+          <a:p>
+            <a:r>
+              <a:rPr lang="nl-BE" dirty="0"/>
+              <a:t>Gedurende het meten en verzenden: normal mode</a:t>
+            </a:r>
+          </a:p>
+          <a:p>
+            <a:endParaRPr lang="nl-BE" dirty="0"/>
+          </a:p>
+          <a:p>
+            <a:r>
+              <a:rPr lang="nl-BE" dirty="0"/>
+              <a:t>Gedurende rust periode: low power</a:t>
+            </a:r>
+          </a:p>
+          <a:p>
+            <a:pPr marL="0" indent="0">
+              <a:buNone/>
+            </a:pPr>
+            <a:endParaRPr lang="nl-BE" dirty="0"/>
+          </a:p>
+        </p:txBody>
+      </p:sp>
+      <p:sp>
+        <p:nvSpPr>
+          <p:cNvPr id="3" name="Titel 2"/>
+          <p:cNvSpPr>
+            <a:spLocks noGrp="1"/>
+          </p:cNvSpPr>
+          <p:nvPr>
+            <p:ph type="title" idx="4294967295"/>
+          </p:nvPr>
+        </p:nvSpPr>
+        <p:spPr/>
+        <p:txBody>
+          <a:bodyPr/>
+          <a:lstStyle/>
+          <a:p>
+            <a:pPr algn="l"/>
+            <a:r>
+              <a:rPr lang="nl-BE" noProof="1"/>
+              <a:t>Powerconsumptie</a:t>
+            </a:r>
+          </a:p>
+        </p:txBody>
+      </p:sp>
+      <p:sp>
+        <p:nvSpPr>
+          <p:cNvPr id="4" name="Tijdelijke aanduiding voor dianummer 3">
+            <a:extLst>
+              <a:ext uri="{FF2B5EF4-FFF2-40B4-BE49-F238E27FC236}">
+                <a16:creationId xmlns:a16="http://schemas.microsoft.com/office/drawing/2014/main" id="{7545CA32-424F-4A9F-B61B-71DA6915AFA8}"/>
+              </a:ext>
+            </a:extLst>
+          </p:cNvPr>
+          <p:cNvSpPr>
+            <a:spLocks noGrp="1"/>
+          </p:cNvSpPr>
+          <p:nvPr>
+            <p:ph type="sldNum" sz="quarter" idx="12"/>
+          </p:nvPr>
+        </p:nvSpPr>
+        <p:spPr/>
+        <p:txBody>
+          <a:bodyPr/>
+          <a:lstStyle/>
+          <a:p>
+            <a:fld id="{8C0098BE-5C68-4B6B-A0D2-CEFA86AAA048}" type="slidenum">
+              <a:rPr lang="nl-BE" altLang="en-US" smtClean="0"/>
+              <a:pPr/>
+              <a:t>4</a:t>
+            </a:fld>
+            <a:endParaRPr lang="nl-BE" altLang="en-US"/>
+          </a:p>
+        </p:txBody>
+      </p:sp>
+      <p:pic>
+        <p:nvPicPr>
+          <p:cNvPr id="8" name="Afbeelding 7">
+            <a:extLst>
+              <a:ext uri="{FF2B5EF4-FFF2-40B4-BE49-F238E27FC236}">
+                <a16:creationId xmlns:a16="http://schemas.microsoft.com/office/drawing/2014/main" id="{D2C15728-6B41-418F-91DB-D9FDE449E518}"/>
+              </a:ext>
+            </a:extLst>
+          </p:cNvPr>
+          <p:cNvPicPr>
+            <a:picLocks noChangeAspect="1"/>
+          </p:cNvPicPr>
+          <p:nvPr/>
+        </p:nvPicPr>
+        <p:blipFill rotWithShape="1">
+          <a:blip r:embed="rId2"/>
+          <a:srcRect l="1711" t="20354" r="1861" b="20353"/>
+          <a:stretch/>
+        </p:blipFill>
+        <p:spPr>
+          <a:xfrm>
+            <a:off x="1075639" y="2507481"/>
+            <a:ext cx="8840367" cy="360040"/>
+          </a:xfrm>
+          <a:prstGeom prst="rect">
+            <a:avLst/>
+          </a:prstGeom>
+        </p:spPr>
+      </p:pic>
+      <p:pic>
+        <p:nvPicPr>
+          <p:cNvPr id="10" name="Afbeelding 9">
+            <a:extLst>
+              <a:ext uri="{FF2B5EF4-FFF2-40B4-BE49-F238E27FC236}">
+                <a16:creationId xmlns:a16="http://schemas.microsoft.com/office/drawing/2014/main" id="{1E1CC7E7-A605-4CB1-8100-942EA83B38BD}"/>
+              </a:ext>
+            </a:extLst>
+          </p:cNvPr>
+          <p:cNvPicPr>
+            <a:picLocks/>
+          </p:cNvPicPr>
+          <p:nvPr/>
+        </p:nvPicPr>
+        <p:blipFill rotWithShape="1">
+          <a:blip r:embed="rId3"/>
+          <a:srcRect l="845" t="23356" b="14357"/>
+          <a:stretch/>
+        </p:blipFill>
+        <p:spPr>
+          <a:xfrm>
+            <a:off x="1088537" y="1556792"/>
+            <a:ext cx="8841600" cy="360000"/>
+          </a:xfrm>
+          <a:prstGeom prst="rect">
+            <a:avLst/>
+          </a:prstGeom>
+        </p:spPr>
+      </p:pic>
+    </p:spTree>
+    <p:extLst>
+      <p:ext uri="{BB962C8B-B14F-4D97-AF65-F5344CB8AC3E}">
+        <p14:creationId xmlns:p14="http://schemas.microsoft.com/office/powerpoint/2010/main" val="4047198174"/>
+      </p:ext>
+    </p:extLst>
+  </p:cSld>
+  <p:clrMapOvr>
+    <a:masterClrMapping/>
+  </p:clrMapOvr>
+</p:sld>
+</file>
+
+<file path=ppt/slides/slide5.xml><?xml version="1.0" encoding="utf-8"?>
+<p:sld xmlns:a="http://schemas.openxmlformats.org/drawingml/2006/main" xmlns:r="http://schemas.openxmlformats.org/officeDocument/2006/relationships" xmlns:p="http://schemas.openxmlformats.org/presentationml/2006/main">
+  <p:cSld>
+    <p:spTree>
+      <p:nvGrpSpPr>
+        <p:cNvPr id="1" name=""/>
+        <p:cNvGrpSpPr/>
+        <p:nvPr/>
+      </p:nvGrpSpPr>
+      <p:grpSpPr>
+        <a:xfrm>
+          <a:off x="0" y="0"/>
+          <a:ext cx="0" cy="0"/>
+          <a:chOff x="0" y="0"/>
+          <a:chExt cx="0" cy="0"/>
+        </a:xfrm>
+      </p:grpSpPr>
+      <p:sp>
+        <p:nvSpPr>
+          <p:cNvPr id="2" name="Tijdelijke aanduiding voor inhoud 1"/>
+          <p:cNvSpPr>
+            <a:spLocks noGrp="1"/>
+          </p:cNvSpPr>
+          <p:nvPr>
+            <p:ph idx="1"/>
+          </p:nvPr>
+        </p:nvSpPr>
+        <p:spPr/>
+        <p:txBody>
+          <a:bodyPr/>
+          <a:lstStyle/>
+          <a:p>
+            <a:endParaRPr lang="en-GB" dirty="0"/>
+          </a:p>
+        </p:txBody>
+      </p:sp>
+      <p:sp>
+        <p:nvSpPr>
+          <p:cNvPr id="3" name="Titel 2"/>
+          <p:cNvSpPr>
+            <a:spLocks noGrp="1"/>
+          </p:cNvSpPr>
+          <p:nvPr>
+            <p:ph type="title" idx="4294967295"/>
+          </p:nvPr>
+        </p:nvSpPr>
+        <p:spPr/>
+        <p:txBody>
+          <a:bodyPr/>
+          <a:lstStyle/>
+          <a:p>
+            <a:pPr algn="l"/>
+            <a:r>
+              <a:rPr lang="nl-BE" noProof="1"/>
+              <a:t>Security</a:t>
+            </a:r>
+          </a:p>
+        </p:txBody>
+      </p:sp>
+      <p:sp>
+        <p:nvSpPr>
+          <p:cNvPr id="4" name="Tijdelijke aanduiding voor dianummer 3">
+            <a:extLst>
+              <a:ext uri="{FF2B5EF4-FFF2-40B4-BE49-F238E27FC236}">
+                <a16:creationId xmlns:a16="http://schemas.microsoft.com/office/drawing/2014/main" id="{8DEC3EFE-C3D6-4805-ADB8-435745235869}"/>
+              </a:ext>
+            </a:extLst>
+          </p:cNvPr>
+          <p:cNvSpPr>
+            <a:spLocks noGrp="1"/>
+          </p:cNvSpPr>
+          <p:nvPr>
+            <p:ph type="sldNum" sz="quarter" idx="12"/>
+          </p:nvPr>
+        </p:nvSpPr>
+        <p:spPr/>
+        <p:txBody>
+          <a:bodyPr/>
+          <a:lstStyle/>
+          <a:p>
+            <a:fld id="{8C0098BE-5C68-4B6B-A0D2-CEFA86AAA048}" type="slidenum">
+              <a:rPr lang="nl-BE" altLang="en-US" smtClean="0"/>
+              <a:pPr/>
+              <a:t>5</a:t>
+            </a:fld>
+            <a:endParaRPr lang="nl-BE" altLang="en-US"/>
+          </a:p>
+        </p:txBody>
+      </p:sp>
+    </p:spTree>
+    <p:extLst>
+      <p:ext uri="{BB962C8B-B14F-4D97-AF65-F5344CB8AC3E}">
+        <p14:creationId xmlns:p14="http://schemas.microsoft.com/office/powerpoint/2010/main" val="742124925"/>
+      </p:ext>
+    </p:extLst>
+  </p:cSld>
+  <p:clrMapOvr>
+    <a:masterClrMapping/>
+  </p:clrMapOvr>
+</p:sld>
+</file>
+
+<file path=ppt/slides/slide6.xml><?xml version="1.0" encoding="utf-8"?>
+<p:sld xmlns:a="http://schemas.openxmlformats.org/drawingml/2006/main" xmlns:r="http://schemas.openxmlformats.org/officeDocument/2006/relationships" xmlns:p="http://schemas.openxmlformats.org/presentationml/2006/main">
+  <p:cSld>
+    <p:spTree>
+      <p:nvGrpSpPr>
+        <p:cNvPr id="1" name=""/>
+        <p:cNvGrpSpPr/>
+        <p:nvPr/>
+      </p:nvGrpSpPr>
+      <p:grpSpPr>
+        <a:xfrm>
+          <a:off x="0" y="0"/>
+          <a:ext cx="0" cy="0"/>
+          <a:chOff x="0" y="0"/>
+          <a:chExt cx="0" cy="0"/>
+        </a:xfrm>
+      </p:grpSpPr>
+      <p:sp>
+        <p:nvSpPr>
+          <p:cNvPr id="2" name="Tijdelijke aanduiding voor inhoud 1"/>
+          <p:cNvSpPr>
+            <a:spLocks noGrp="1"/>
+          </p:cNvSpPr>
+          <p:nvPr>
+            <p:ph idx="1"/>
+          </p:nvPr>
+        </p:nvSpPr>
+        <p:spPr/>
+        <p:txBody>
+          <a:bodyPr/>
+          <a:lstStyle/>
+          <a:p>
+            <a:endParaRPr lang="en-GB" dirty="0"/>
+          </a:p>
+        </p:txBody>
+      </p:sp>
+      <p:sp>
+        <p:nvSpPr>
+          <p:cNvPr id="3" name="Titel 2"/>
+          <p:cNvSpPr>
+            <a:spLocks noGrp="1"/>
+          </p:cNvSpPr>
+          <p:nvPr>
+            <p:ph type="title" idx="4294967295"/>
+          </p:nvPr>
+        </p:nvSpPr>
+        <p:spPr/>
+        <p:txBody>
+          <a:bodyPr/>
+          <a:lstStyle/>
+          <a:p>
+            <a:pPr algn="l"/>
+            <a:r>
+              <a:rPr lang="nl-BE" noProof="1"/>
+              <a:t>Protocol</a:t>
+            </a:r>
+          </a:p>
+        </p:txBody>
+      </p:sp>
+      <p:sp>
+        <p:nvSpPr>
+          <p:cNvPr id="4" name="Tijdelijke aanduiding voor dianummer 3">
+            <a:extLst>
+              <a:ext uri="{FF2B5EF4-FFF2-40B4-BE49-F238E27FC236}">
+                <a16:creationId xmlns:a16="http://schemas.microsoft.com/office/drawing/2014/main" id="{23784F0A-0651-43A8-9531-E449521EC010}"/>
+              </a:ext>
+            </a:extLst>
+          </p:cNvPr>
+          <p:cNvSpPr>
+            <a:spLocks noGrp="1"/>
+          </p:cNvSpPr>
+          <p:nvPr>
+            <p:ph type="sldNum" sz="quarter" idx="12"/>
+          </p:nvPr>
+        </p:nvSpPr>
+        <p:spPr/>
+        <p:txBody>
+          <a:bodyPr/>
+          <a:lstStyle/>
+          <a:p>
+            <a:fld id="{8C0098BE-5C68-4B6B-A0D2-CEFA86AAA048}" type="slidenum">
+              <a:rPr lang="nl-BE" altLang="en-US" smtClean="0"/>
+              <a:pPr/>
+              <a:t>6</a:t>
+            </a:fld>
+            <a:endParaRPr lang="nl-BE" altLang="en-US"/>
+          </a:p>
+        </p:txBody>
+      </p:sp>
+    </p:spTree>
+    <p:extLst>
+      <p:ext uri="{BB962C8B-B14F-4D97-AF65-F5344CB8AC3E}">
+        <p14:creationId xmlns:p14="http://schemas.microsoft.com/office/powerpoint/2010/main" val="2784255280"/>
+      </p:ext>
+    </p:extLst>
+  </p:cSld>
+  <p:clrMapOvr>
+    <a:masterClrMapping/>
+  </p:clrMapOvr>
+</p:sld>
+</file>
+
+<file path=ppt/slides/slide7.xml><?xml version="1.0" encoding="utf-8"?>
+<p:sld xmlns:a="http://schemas.openxmlformats.org/drawingml/2006/main" xmlns:r="http://schemas.openxmlformats.org/officeDocument/2006/relationships" xmlns:p="http://schemas.openxmlformats.org/presentationml/2006/main">
+  <p:cSld>
+    <p:spTree>
+      <p:nvGrpSpPr>
+        <p:cNvPr id="1" name=""/>
+        <p:cNvGrpSpPr/>
+        <p:nvPr/>
+      </p:nvGrpSpPr>
+      <p:grpSpPr>
+        <a:xfrm>
+          <a:off x="0" y="0"/>
+          <a:ext cx="0" cy="0"/>
+          <a:chOff x="0" y="0"/>
+          <a:chExt cx="0" cy="0"/>
+        </a:xfrm>
+      </p:grpSpPr>
+      <p:sp>
+        <p:nvSpPr>
+          <p:cNvPr id="2" name="Tijdelijke aanduiding voor inhoud 1"/>
+          <p:cNvSpPr>
+            <a:spLocks noGrp="1"/>
+          </p:cNvSpPr>
+          <p:nvPr>
+            <p:ph idx="1"/>
+          </p:nvPr>
+        </p:nvSpPr>
+        <p:spPr/>
+        <p:txBody>
+          <a:bodyPr/>
+          <a:lstStyle/>
+          <a:p>
+            <a:r>
+              <a:rPr lang="nl-BE" noProof="1"/>
+              <a:t>Temperatuur meten (PSoC 1):</a:t>
+            </a:r>
+          </a:p>
+          <a:p>
+            <a:pPr marL="0" indent="0">
+              <a:buNone/>
+            </a:pPr>
+            <a:endParaRPr lang="nl-BE" noProof="1"/>
+          </a:p>
+          <a:p>
+            <a:pPr marL="0" indent="0">
+              <a:buNone/>
+            </a:pPr>
+            <a:endParaRPr lang="nl-BE" noProof="1"/>
+          </a:p>
+          <a:p>
+            <a:pPr marL="0" indent="0">
+              <a:buNone/>
+            </a:pPr>
+            <a:endParaRPr lang="nl-BE" noProof="1"/>
+          </a:p>
+          <a:p>
+            <a:pPr marL="0" indent="0">
+              <a:buNone/>
+            </a:pPr>
+            <a:endParaRPr lang="nl-BE" noProof="1"/>
+          </a:p>
+          <a:p>
+            <a:r>
+              <a:rPr lang="nl-BE" noProof="1"/>
+              <a:t>Bodemvochtigheid en servo (PSoC 2):</a:t>
+            </a:r>
+          </a:p>
+        </p:txBody>
+      </p:sp>
+      <p:sp>
+        <p:nvSpPr>
+          <p:cNvPr id="3" name="Titel 2"/>
+          <p:cNvSpPr>
+            <a:spLocks noGrp="1"/>
+          </p:cNvSpPr>
+          <p:nvPr>
+            <p:ph type="title" idx="4294967295"/>
+          </p:nvPr>
+        </p:nvSpPr>
+        <p:spPr/>
+        <p:txBody>
+          <a:bodyPr/>
+          <a:lstStyle/>
+          <a:p>
+            <a:pPr algn="l"/>
+            <a:r>
+              <a:rPr lang="nl-BE" dirty="0"/>
+              <a:t>Implementatie: hardware</a:t>
+            </a:r>
+            <a:endParaRPr lang="nl-BE" noProof="1"/>
+          </a:p>
+        </p:txBody>
+      </p:sp>
+      <p:pic>
+        <p:nvPicPr>
+          <p:cNvPr id="5" name="Afbeelding 4" descr="Afbeelding met tekst&#10;&#10;Automatisch gegenereerde beschrijving">
+            <a:extLst>
+              <a:ext uri="{FF2B5EF4-FFF2-40B4-BE49-F238E27FC236}">
+                <a16:creationId xmlns:a16="http://schemas.microsoft.com/office/drawing/2014/main" id="{672798FB-39C3-4AEA-BBFA-563C8B777005}"/>
+              </a:ext>
+            </a:extLst>
+          </p:cNvPr>
+          <p:cNvPicPr>
+            <a:picLocks noChangeAspect="1"/>
+          </p:cNvPicPr>
+          <p:nvPr/>
+        </p:nvPicPr>
+        <p:blipFill>
+          <a:blip r:embed="rId2" cstate="print">
+            <a:extLst>
+              <a:ext uri="{28A0092B-C50C-407E-A947-70E740481C1C}">
+                <a14:useLocalDpi xmlns:a14="http://schemas.microsoft.com/office/drawing/2010/main" val="0"/>
+              </a:ext>
+            </a:extLst>
+          </a:blip>
+          <a:stretch>
+            <a:fillRect/>
+          </a:stretch>
+        </p:blipFill>
+        <p:spPr>
+          <a:xfrm>
+            <a:off x="1127448" y="1428683"/>
+            <a:ext cx="2627784" cy="1970838"/>
+          </a:xfrm>
+          <a:prstGeom prst="rect">
+            <a:avLst/>
+          </a:prstGeom>
+        </p:spPr>
+      </p:pic>
+      <p:pic>
+        <p:nvPicPr>
+          <p:cNvPr id="6" name="Afbeelding 5" descr="Afbeelding met tekst&#10;&#10;Automatisch gegenereerde beschrijving">
+            <a:extLst>
+              <a:ext uri="{FF2B5EF4-FFF2-40B4-BE49-F238E27FC236}">
+                <a16:creationId xmlns:a16="http://schemas.microsoft.com/office/drawing/2014/main" id="{58F8D3F6-E6AC-4677-BD06-37A4120E8C53}"/>
+              </a:ext>
+            </a:extLst>
+          </p:cNvPr>
+          <p:cNvPicPr>
+            <a:picLocks noChangeAspect="1"/>
+          </p:cNvPicPr>
+          <p:nvPr/>
+        </p:nvPicPr>
+        <p:blipFill rotWithShape="1">
+          <a:blip r:embed="rId3" cstate="print">
+            <a:extLst>
+              <a:ext uri="{28A0092B-C50C-407E-A947-70E740481C1C}">
+                <a14:useLocalDpi xmlns:a14="http://schemas.microsoft.com/office/drawing/2010/main" val="0"/>
+              </a:ext>
+            </a:extLst>
+          </a:blip>
+          <a:srcRect l="50769" t="43857" r="29231" b="37310"/>
+          <a:stretch/>
+        </p:blipFill>
+        <p:spPr>
+          <a:xfrm>
+            <a:off x="5087887" y="1428682"/>
+            <a:ext cx="2790563" cy="1970837"/>
+          </a:xfrm>
+          <a:prstGeom prst="rect">
+            <a:avLst/>
+          </a:prstGeom>
+        </p:spPr>
+      </p:pic>
+      <p:sp>
+        <p:nvSpPr>
+          <p:cNvPr id="7" name="Bijschrift: gebogen lijn 6">
+            <a:extLst>
+              <a:ext uri="{FF2B5EF4-FFF2-40B4-BE49-F238E27FC236}">
+                <a16:creationId xmlns:a16="http://schemas.microsoft.com/office/drawing/2014/main" id="{A282FECF-5247-4D6D-8B4C-0DCDBACDC8BD}"/>
+              </a:ext>
+            </a:extLst>
+          </p:cNvPr>
+          <p:cNvSpPr/>
+          <p:nvPr/>
+        </p:nvSpPr>
+        <p:spPr>
+          <a:xfrm>
+            <a:off x="5066700" y="1412775"/>
+            <a:ext cx="2811749" cy="1970837"/>
+          </a:xfrm>
+          <a:prstGeom prst="borderCallout2">
+            <a:avLst>
+              <a:gd name="adj1" fmla="val 48356"/>
+              <a:gd name="adj2" fmla="val 532"/>
+              <a:gd name="adj3" fmla="val 71332"/>
+              <a:gd name="adj4" fmla="val -42064"/>
+              <a:gd name="adj5" fmla="val 59033"/>
+              <a:gd name="adj6" fmla="val -79807"/>
+            </a:avLst>
+          </a:prstGeom>
+          <a:noFill/>
+          <a:ln w="38100">
+            <a:solidFill>
+              <a:srgbClr val="FF0000"/>
+            </a:solidFill>
+          </a:ln>
+        </p:spPr>
+        <p:style>
+          <a:lnRef idx="2">
+            <a:schemeClr val="accent1">
+              <a:shade val="50000"/>
+            </a:schemeClr>
+          </a:lnRef>
+          <a:fillRef idx="1">
+            <a:schemeClr val="accent1"/>
+          </a:fillRef>
+          <a:effectRef idx="0">
+            <a:schemeClr val="accent1"/>
+          </a:effectRef>
+          <a:fontRef idx="minor">
+            <a:schemeClr val="lt1"/>
+          </a:fontRef>
+        </p:style>
+        <p:txBody>
+          <a:bodyPr rtlCol="0" anchor="ctr"/>
+          <a:lstStyle/>
+          <a:p>
+            <a:pPr algn="ctr"/>
+            <a:endParaRPr lang="nl-BE">
+              <a:ln>
+                <a:solidFill>
+                  <a:srgbClr val="FF0000"/>
+                </a:solidFill>
+              </a:ln>
+              <a:noFill/>
+            </a:endParaRPr>
+          </a:p>
+        </p:txBody>
+      </p:sp>
+      <p:sp>
+        <p:nvSpPr>
+          <p:cNvPr id="8" name="Tijdelijke aanduiding voor dianummer 7">
+            <a:extLst>
+              <a:ext uri="{FF2B5EF4-FFF2-40B4-BE49-F238E27FC236}">
+                <a16:creationId xmlns:a16="http://schemas.microsoft.com/office/drawing/2014/main" id="{A7B416D5-C939-41CF-97F2-C51604E60C5F}"/>
+              </a:ext>
+            </a:extLst>
+          </p:cNvPr>
+          <p:cNvSpPr>
+            <a:spLocks noGrp="1"/>
+          </p:cNvSpPr>
+          <p:nvPr>
+            <p:ph type="sldNum" sz="quarter" idx="12"/>
+          </p:nvPr>
+        </p:nvSpPr>
+        <p:spPr/>
+        <p:txBody>
+          <a:bodyPr/>
+          <a:lstStyle/>
+          <a:p>
+            <a:fld id="{8C0098BE-5C68-4B6B-A0D2-CEFA86AAA048}" type="slidenum">
+              <a:rPr lang="nl-BE" altLang="en-US" smtClean="0"/>
+              <a:pPr/>
+              <a:t>7</a:t>
+            </a:fld>
+            <a:endParaRPr lang="nl-BE" altLang="en-US"/>
+          </a:p>
+        </p:txBody>
+      </p:sp>
+    </p:spTree>
+    <p:extLst>
+      <p:ext uri="{BB962C8B-B14F-4D97-AF65-F5344CB8AC3E}">
+        <p14:creationId xmlns:p14="http://schemas.microsoft.com/office/powerpoint/2010/main" val="3383767627"/>
+      </p:ext>
+    </p:extLst>
+  </p:cSld>
+  <p:clrMapOvr>
+    <a:masterClrMapping/>
+  </p:clrMapOvr>
+</p:sld>
+</file>
+
+<file path=ppt/slides/slide8.xml><?xml version="1.0" encoding="utf-8"?>
+<p:sld xmlns:a="http://schemas.openxmlformats.org/drawingml/2006/main" xmlns:r="http://schemas.openxmlformats.org/officeDocument/2006/relationships" xmlns:p="http://schemas.openxmlformats.org/presentationml/2006/main">
+  <p:cSld>
+    <p:spTree>
+      <p:nvGrpSpPr>
+        <p:cNvPr id="1" name=""/>
+        <p:cNvGrpSpPr/>
+        <p:nvPr/>
+      </p:nvGrpSpPr>
+      <p:grpSpPr>
+        <a:xfrm>
+          <a:off x="0" y="0"/>
+          <a:ext cx="0" cy="0"/>
+          <a:chOff x="0" y="0"/>
+          <a:chExt cx="0" cy="0"/>
+        </a:xfrm>
+      </p:grpSpPr>
+      <p:sp>
+        <p:nvSpPr>
+          <p:cNvPr id="2" name="Tijdelijke aanduiding voor inhoud 1"/>
+          <p:cNvSpPr>
+            <a:spLocks noGrp="1"/>
+          </p:cNvSpPr>
+          <p:nvPr>
+            <p:ph idx="1"/>
+          </p:nvPr>
+        </p:nvSpPr>
+        <p:spPr/>
+        <p:txBody>
+          <a:bodyPr/>
+          <a:lstStyle/>
+          <a:p>
+            <a:r>
+              <a:rPr lang="nl-BE" noProof="1"/>
+              <a:t> PSoC 1</a:t>
+            </a:r>
+          </a:p>
+          <a:p>
+            <a:pPr lvl="1"/>
+            <a:r>
+              <a:rPr lang="nl-BE" noProof="1"/>
+              <a:t>Verbinden met WIFI</a:t>
+            </a:r>
+          </a:p>
+          <a:p>
+            <a:pPr lvl="1"/>
+            <a:r>
+              <a:rPr lang="nl-BE" noProof="1"/>
+              <a:t>Readout om de 10s (LPTimer)</a:t>
+            </a:r>
+          </a:p>
+          <a:p>
+            <a:pPr lvl="1"/>
+            <a:r>
+              <a:rPr lang="nl-BE" noProof="1"/>
+              <a:t>Data versturen via MQTT</a:t>
+            </a:r>
+          </a:p>
+          <a:p>
+            <a:r>
+              <a:rPr lang="nl-BE" noProof="1"/>
+              <a:t>PSoC 2</a:t>
+            </a:r>
+          </a:p>
+          <a:p>
+            <a:pPr lvl="1"/>
+            <a:r>
+              <a:rPr lang="nl-BE" noProof="1"/>
+              <a:t>Verbinden met WIFI</a:t>
+            </a:r>
+          </a:p>
+          <a:p>
+            <a:pPr lvl="1"/>
+            <a:r>
+              <a:rPr lang="nl-BE" noProof="1"/>
+              <a:t>Readout om de 10s &lt;klopt?&gt;</a:t>
+            </a:r>
+          </a:p>
+          <a:p>
+            <a:pPr lvl="1"/>
+            <a:r>
+              <a:rPr lang="nl-BE" noProof="1"/>
+              <a:t>Data versturen via MQTT</a:t>
+            </a:r>
+          </a:p>
+          <a:p>
+            <a:pPr lvl="1"/>
+            <a:r>
+              <a:rPr lang="nl-BE" noProof="1"/>
+              <a:t>MQTT bericht ontvangen voor servo aan te sturen</a:t>
+            </a:r>
+            <a:endParaRPr lang="en-GB" dirty="0"/>
+          </a:p>
+        </p:txBody>
+      </p:sp>
+      <p:sp>
+        <p:nvSpPr>
+          <p:cNvPr id="3" name="Titel 2"/>
+          <p:cNvSpPr>
+            <a:spLocks noGrp="1"/>
+          </p:cNvSpPr>
+          <p:nvPr>
+            <p:ph type="title" idx="4294967295"/>
+          </p:nvPr>
+        </p:nvSpPr>
+        <p:spPr/>
+        <p:txBody>
+          <a:bodyPr/>
+          <a:lstStyle/>
+          <a:p>
+            <a:pPr algn="l"/>
+            <a:r>
+              <a:rPr lang="nl-BE" dirty="0"/>
+              <a:t>Implementatie: software</a:t>
+            </a:r>
+            <a:endParaRPr lang="nl-BE" noProof="1"/>
+          </a:p>
+        </p:txBody>
+      </p:sp>
+      <p:sp>
+        <p:nvSpPr>
+          <p:cNvPr id="4" name="Tijdelijke aanduiding voor dianummer 3">
+            <a:extLst>
+              <a:ext uri="{FF2B5EF4-FFF2-40B4-BE49-F238E27FC236}">
+                <a16:creationId xmlns:a16="http://schemas.microsoft.com/office/drawing/2014/main" id="{8008B146-A3EE-4A1F-A16E-5EC360EE0568}"/>
+              </a:ext>
+            </a:extLst>
+          </p:cNvPr>
+          <p:cNvSpPr>
+            <a:spLocks noGrp="1"/>
+          </p:cNvSpPr>
+          <p:nvPr>
+            <p:ph type="sldNum" sz="quarter" idx="12"/>
+          </p:nvPr>
+        </p:nvSpPr>
+        <p:spPr/>
+        <p:txBody>
+          <a:bodyPr/>
+          <a:lstStyle/>
+          <a:p>
+            <a:fld id="{8C0098BE-5C68-4B6B-A0D2-CEFA86AAA048}" type="slidenum">
+              <a:rPr lang="nl-BE" altLang="en-US" smtClean="0"/>
+              <a:pPr/>
+              <a:t>8</a:t>
+            </a:fld>
+            <a:endParaRPr lang="nl-BE" altLang="en-US"/>
+          </a:p>
+        </p:txBody>
+      </p:sp>
+    </p:spTree>
+    <p:extLst>
+      <p:ext uri="{BB962C8B-B14F-4D97-AF65-F5344CB8AC3E}">
+        <p14:creationId xmlns:p14="http://schemas.microsoft.com/office/powerpoint/2010/main" val="2012974216"/>
+      </p:ext>
+    </p:extLst>
+  </p:cSld>
+  <p:clrMapOvr>
+    <a:masterClrMapping/>
+  </p:clrMapOvr>
+</p:sld>
+</file>
+
+<file path=ppt/slides/slide9.xml><?xml version="1.0" encoding="utf-8"?>
+<p:sld xmlns:a="http://schemas.openxmlformats.org/drawingml/2006/main" xmlns:r="http://schemas.openxmlformats.org/officeDocument/2006/relationships" xmlns:p="http://schemas.openxmlformats.org/presentationml/2006/main">
+  <p:cSld>
+    <p:spTree>
+      <p:nvGrpSpPr>
+        <p:cNvPr id="1" name=""/>
+        <p:cNvGrpSpPr/>
+        <p:nvPr/>
+      </p:nvGrpSpPr>
+      <p:grpSpPr>
+        <a:xfrm>
+          <a:off x="0" y="0"/>
+          <a:ext cx="0" cy="0"/>
+          <a:chOff x="0" y="0"/>
+          <a:chExt cx="0" cy="0"/>
+        </a:xfrm>
+      </p:grpSpPr>
+      <p:sp>
+        <p:nvSpPr>
+          <p:cNvPr id="2" name="Tijdelijke aanduiding voor inhoud 1"/>
+          <p:cNvSpPr>
+            <a:spLocks noGrp="1"/>
+          </p:cNvSpPr>
+          <p:nvPr>
+            <p:ph idx="1"/>
+          </p:nvPr>
+        </p:nvSpPr>
+        <p:spPr/>
+        <p:txBody>
+          <a:bodyPr/>
+          <a:lstStyle/>
+          <a:p>
+            <a:r>
+              <a:rPr lang="nl-BE" noProof="1"/>
+              <a:t> Pyton Flask</a:t>
+            </a:r>
+          </a:p>
+          <a:p>
+            <a:pPr lvl="1"/>
+            <a:r>
+              <a:rPr lang="nl-BE" noProof="1"/>
+              <a:t>Subscribe op MQTT broker</a:t>
+            </a:r>
+          </a:p>
+          <a:p>
+            <a:pPr lvl="1"/>
+            <a:r>
+              <a:rPr lang="nl-BE" noProof="1"/>
+              <a:t>Data uploaden naar Firebase</a:t>
+            </a:r>
+          </a:p>
+          <a:p>
+            <a:pPr lvl="1"/>
+            <a:r>
+              <a:rPr lang="nl-BE" noProof="1"/>
+              <a:t>Data downloaden van Firebase</a:t>
+            </a:r>
+          </a:p>
+          <a:p>
+            <a:pPr lvl="1"/>
+            <a:r>
+              <a:rPr lang="nl-BE" noProof="1"/>
+              <a:t>Dashboard: HTML pagina</a:t>
+            </a:r>
+          </a:p>
+          <a:p>
+            <a:r>
+              <a:rPr lang="nl-BE" noProof="1"/>
+              <a:t>Heroku</a:t>
+            </a:r>
+          </a:p>
+          <a:p>
+            <a:pPr lvl="1"/>
+            <a:endParaRPr lang="en-GB" dirty="0"/>
+          </a:p>
+        </p:txBody>
+      </p:sp>
+      <p:sp>
+        <p:nvSpPr>
+          <p:cNvPr id="3" name="Titel 2"/>
+          <p:cNvSpPr>
+            <a:spLocks noGrp="1"/>
+          </p:cNvSpPr>
+          <p:nvPr>
+            <p:ph type="title" idx="4294967295"/>
+          </p:nvPr>
+        </p:nvSpPr>
+        <p:spPr/>
+        <p:txBody>
+          <a:bodyPr/>
+          <a:lstStyle/>
+          <a:p>
+            <a:pPr algn="l"/>
+            <a:r>
+              <a:rPr lang="nl-BE" dirty="0"/>
+              <a:t>Implementatie: software</a:t>
+            </a:r>
+            <a:endParaRPr lang="nl-BE" noProof="1"/>
+          </a:p>
+        </p:txBody>
+      </p:sp>
+      <p:sp>
+        <p:nvSpPr>
+          <p:cNvPr id="4" name="Tijdelijke aanduiding voor dianummer 3">
+            <a:extLst>
+              <a:ext uri="{FF2B5EF4-FFF2-40B4-BE49-F238E27FC236}">
+                <a16:creationId xmlns:a16="http://schemas.microsoft.com/office/drawing/2014/main" id="{0DD47834-D08F-4BDB-832F-8A1F6CC727D2}"/>
+              </a:ext>
+            </a:extLst>
+          </p:cNvPr>
+          <p:cNvSpPr>
+            <a:spLocks noGrp="1"/>
+          </p:cNvSpPr>
+          <p:nvPr>
+            <p:ph type="sldNum" sz="quarter" idx="12"/>
+          </p:nvPr>
+        </p:nvSpPr>
+        <p:spPr/>
+        <p:txBody>
+          <a:bodyPr/>
+          <a:lstStyle/>
+          <a:p>
+            <a:fld id="{8C0098BE-5C68-4B6B-A0D2-CEFA86AAA048}" type="slidenum">
+              <a:rPr lang="nl-BE" altLang="en-US" smtClean="0"/>
+              <a:pPr/>
+              <a:t>9</a:t>
+            </a:fld>
+            <a:endParaRPr lang="nl-BE" altLang="en-US"/>
+          </a:p>
+        </p:txBody>
+      </p:sp>
+    </p:spTree>
+    <p:extLst>
+      <p:ext uri="{BB962C8B-B14F-4D97-AF65-F5344CB8AC3E}">
+        <p14:creationId xmlns:p14="http://schemas.microsoft.com/office/powerpoint/2010/main" val="2696842142"/>
       </p:ext>
     </p:extLst>
   </p:cSld>
